--- a/Day3.pptx
+++ b/Day3.pptx
@@ -266,7 +266,7 @@
           <a:p>
             <a:fld id="{DF9F37B8-6712-401F-905D-61F3523917F9}" type="datetimeFigureOut">
               <a:rPr lang="en-US" smtClean="0"/>
-              <a:t>4/23/2023</a:t>
+              <a:t>5/10/2023</a:t>
             </a:fld>
             <a:endParaRPr lang="en-US"/>
           </a:p>
@@ -436,7 +436,7 @@
           <a:p>
             <a:fld id="{DF9F37B8-6712-401F-905D-61F3523917F9}" type="datetimeFigureOut">
               <a:rPr lang="en-US" smtClean="0"/>
-              <a:t>4/23/2023</a:t>
+              <a:t>5/10/2023</a:t>
             </a:fld>
             <a:endParaRPr lang="en-US"/>
           </a:p>
@@ -616,7 +616,7 @@
           <a:p>
             <a:fld id="{DF9F37B8-6712-401F-905D-61F3523917F9}" type="datetimeFigureOut">
               <a:rPr lang="en-US" smtClean="0"/>
-              <a:t>4/23/2023</a:t>
+              <a:t>5/10/2023</a:t>
             </a:fld>
             <a:endParaRPr lang="en-US"/>
           </a:p>
@@ -786,7 +786,7 @@
           <a:p>
             <a:fld id="{DF9F37B8-6712-401F-905D-61F3523917F9}" type="datetimeFigureOut">
               <a:rPr lang="en-US" smtClean="0"/>
-              <a:t>4/23/2023</a:t>
+              <a:t>5/10/2023</a:t>
             </a:fld>
             <a:endParaRPr lang="en-US"/>
           </a:p>
@@ -1032,7 +1032,7 @@
           <a:p>
             <a:fld id="{DF9F37B8-6712-401F-905D-61F3523917F9}" type="datetimeFigureOut">
               <a:rPr lang="en-US" smtClean="0"/>
-              <a:t>4/23/2023</a:t>
+              <a:t>5/10/2023</a:t>
             </a:fld>
             <a:endParaRPr lang="en-US"/>
           </a:p>
@@ -1264,7 +1264,7 @@
           <a:p>
             <a:fld id="{DF9F37B8-6712-401F-905D-61F3523917F9}" type="datetimeFigureOut">
               <a:rPr lang="en-US" smtClean="0"/>
-              <a:t>4/23/2023</a:t>
+              <a:t>5/10/2023</a:t>
             </a:fld>
             <a:endParaRPr lang="en-US"/>
           </a:p>
@@ -1631,7 +1631,7 @@
           <a:p>
             <a:fld id="{DF9F37B8-6712-401F-905D-61F3523917F9}" type="datetimeFigureOut">
               <a:rPr lang="en-US" smtClean="0"/>
-              <a:t>4/23/2023</a:t>
+              <a:t>5/10/2023</a:t>
             </a:fld>
             <a:endParaRPr lang="en-US"/>
           </a:p>
@@ -1749,7 +1749,7 @@
           <a:p>
             <a:fld id="{DF9F37B8-6712-401F-905D-61F3523917F9}" type="datetimeFigureOut">
               <a:rPr lang="en-US" smtClean="0"/>
-              <a:t>4/23/2023</a:t>
+              <a:t>5/10/2023</a:t>
             </a:fld>
             <a:endParaRPr lang="en-US"/>
           </a:p>
@@ -1844,7 +1844,7 @@
           <a:p>
             <a:fld id="{DF9F37B8-6712-401F-905D-61F3523917F9}" type="datetimeFigureOut">
               <a:rPr lang="en-US" smtClean="0"/>
-              <a:t>4/23/2023</a:t>
+              <a:t>5/10/2023</a:t>
             </a:fld>
             <a:endParaRPr lang="en-US"/>
           </a:p>
@@ -2121,7 +2121,7 @@
           <a:p>
             <a:fld id="{DF9F37B8-6712-401F-905D-61F3523917F9}" type="datetimeFigureOut">
               <a:rPr lang="en-US" smtClean="0"/>
-              <a:t>4/23/2023</a:t>
+              <a:t>5/10/2023</a:t>
             </a:fld>
             <a:endParaRPr lang="en-US"/>
           </a:p>
@@ -2374,7 +2374,7 @@
           <a:p>
             <a:fld id="{DF9F37B8-6712-401F-905D-61F3523917F9}" type="datetimeFigureOut">
               <a:rPr lang="en-US" smtClean="0"/>
-              <a:t>4/23/2023</a:t>
+              <a:t>5/10/2023</a:t>
             </a:fld>
             <a:endParaRPr lang="en-US"/>
           </a:p>
@@ -2587,7 +2587,7 @@
           <a:p>
             <a:fld id="{DF9F37B8-6712-401F-905D-61F3523917F9}" type="datetimeFigureOut">
               <a:rPr lang="en-US" smtClean="0"/>
-              <a:t>4/23/2023</a:t>
+              <a:t>5/10/2023</a:t>
             </a:fld>
             <a:endParaRPr lang="en-US"/>
           </a:p>
@@ -3009,11 +3009,7 @@
           <a:p>
             <a:r>
               <a:rPr lang="en-US" dirty="0" smtClean="0"/>
-              <a:t>JAVA </a:t>
-            </a:r>
-            <a:r>
-              <a:rPr lang="en-US" dirty="0" smtClean="0"/>
-              <a:t>TRAINING</a:t>
+              <a:t>JAVA TRAINING</a:t>
             </a:r>
             <a:endParaRPr lang="en-US" dirty="0"/>
           </a:p>
@@ -7199,7 +7195,19 @@
             </a:pPr>
             <a:r>
               <a:rPr lang="en-US" dirty="0" smtClean="0"/>
-              <a:t>There are two types of data types in java:</a:t>
+              <a:t>There </a:t>
+            </a:r>
+            <a:r>
+              <a:rPr lang="en-US" smtClean="0"/>
+              <a:t>are </a:t>
+            </a:r>
+            <a:r>
+              <a:rPr lang="en-US" smtClean="0"/>
+              <a:t>three </a:t>
+            </a:r>
+            <a:r>
+              <a:rPr lang="en-US" dirty="0" smtClean="0"/>
+              <a:t>types of data types in java:</a:t>
             </a:r>
           </a:p>
           <a:p>
